--- a/Hive assignment - Jagadish -  08082022 .pptx
+++ b/Hive assignment - Jagadish -  08082022 .pptx
@@ -15,7 +15,8 @@
     <p:sldId id="266" r:id="rId9"/>
     <p:sldId id="267" r:id="rId10"/>
     <p:sldId id="269" r:id="rId11"/>
-    <p:sldId id="270" r:id="rId12"/>
+    <p:sldId id="271" r:id="rId12"/>
+    <p:sldId id="270" r:id="rId13"/>
   </p:sldIdLst>
   <p:sldSz cx="12192000" cy="6858000"/>
   <p:notesSz cx="6858000" cy="9144000"/>
@@ -4105,7 +4106,7 @@
         <p:spPr>
           <a:xfrm>
             <a:off x="582306" y="1174232"/>
-            <a:ext cx="11541456" cy="646331"/>
+            <a:ext cx="11541456" cy="1323439"/>
           </a:xfrm>
           <a:prstGeom prst="rect">
             <a:avLst/>
@@ -4124,7 +4125,7 @@
                   <a:srgbClr val="0070C0"/>
                 </a:solidFill>
               </a:rPr>
-              <a:t>Command </a:t>
+              <a:t>Command</a:t>
             </a:r>
             <a:r>
               <a:rPr lang="en-US" dirty="0">
@@ -4132,10 +4133,48 @@
                   <a:srgbClr val="0070C0"/>
                 </a:solidFill>
               </a:rPr>
-              <a:t>- select count(*) from </a:t>
-            </a:r>
-            <a:r>
-              <a:rPr lang="en-US" dirty="0" err="1">
+              <a:t> – </a:t>
+            </a:r>
+          </a:p>
+          <a:p>
+            <a:pPr marL="228600" indent="-228600">
+              <a:buFont typeface="+mj-lt"/>
+              <a:buAutoNum type="arabicPeriod"/>
+            </a:pPr>
+            <a:r>
+              <a:rPr lang="en-US" sz="1100" dirty="0" err="1">
+                <a:solidFill>
+                  <a:srgbClr val="0070C0"/>
+                </a:solidFill>
+              </a:rPr>
+              <a:t>Vioations</a:t>
+            </a:r>
+            <a:r>
+              <a:rPr lang="en-US" sz="1100" dirty="0">
+                <a:solidFill>
+                  <a:srgbClr val="0070C0"/>
+                </a:solidFill>
+              </a:rPr>
+              <a:t> in AM  - select substring(ViolationTime,1,2), count(*) as </a:t>
+            </a:r>
+            <a:r>
+              <a:rPr lang="en-US" sz="1100" dirty="0" err="1">
+                <a:solidFill>
+                  <a:srgbClr val="0070C0"/>
+                </a:solidFill>
+              </a:rPr>
+              <a:t>violationsCountINAM</a:t>
+            </a:r>
+            <a:r>
+              <a:rPr lang="en-US" sz="1100" dirty="0">
+                <a:solidFill>
+                  <a:srgbClr val="0070C0"/>
+                </a:solidFill>
+              </a:rPr>
+              <a:t> from </a:t>
+            </a:r>
+            <a:r>
+              <a:rPr lang="en-US" sz="1100" dirty="0" err="1">
                 <a:solidFill>
                   <a:srgbClr val="0070C0"/>
                 </a:solidFill>
@@ -4143,14 +4182,163 @@
               <a:t>parkingviolations</a:t>
             </a:r>
             <a:r>
+              <a:rPr lang="en-US" sz="1100" dirty="0">
+                <a:solidFill>
+                  <a:srgbClr val="0070C0"/>
+                </a:solidFill>
+              </a:rPr>
+              <a:t> where year(</a:t>
+            </a:r>
+            <a:r>
+              <a:rPr lang="en-US" sz="1100" dirty="0" err="1">
+                <a:solidFill>
+                  <a:srgbClr val="0070C0"/>
+                </a:solidFill>
+              </a:rPr>
+              <a:t>IssueDate</a:t>
+            </a:r>
+            <a:r>
+              <a:rPr lang="en-US" sz="1100" dirty="0">
+                <a:solidFill>
+                  <a:srgbClr val="0070C0"/>
+                </a:solidFill>
+              </a:rPr>
+              <a:t>)=2017 and upper(substring(ViolationTime,-1))='A' group by substring(ViolationTime,1,2) order by </a:t>
+            </a:r>
+            <a:r>
+              <a:rPr lang="en-US" sz="1100" dirty="0" err="1">
+                <a:solidFill>
+                  <a:srgbClr val="0070C0"/>
+                </a:solidFill>
+              </a:rPr>
+              <a:t>violationsCountINAM</a:t>
+            </a:r>
+            <a:r>
+              <a:rPr lang="en-US" sz="1100" dirty="0">
+                <a:solidFill>
+                  <a:srgbClr val="0070C0"/>
+                </a:solidFill>
+              </a:rPr>
+              <a:t> desc;</a:t>
+            </a:r>
+          </a:p>
+          <a:p>
+            <a:pPr marL="228600" indent="-228600">
+              <a:buFont typeface="+mj-lt"/>
+              <a:buAutoNum type="arabicPeriod"/>
+            </a:pPr>
+            <a:r>
+              <a:rPr lang="en-US" sz="1100" dirty="0">
+                <a:solidFill>
+                  <a:srgbClr val="0070C0"/>
+                </a:solidFill>
+              </a:rPr>
+              <a:t>Violations in PM - select substring(ViolationTime,1,2), count(*) as </a:t>
+            </a:r>
+            <a:r>
+              <a:rPr lang="en-US" sz="1100" dirty="0" err="1">
+                <a:solidFill>
+                  <a:srgbClr val="0070C0"/>
+                </a:solidFill>
+              </a:rPr>
+              <a:t>violationsCountINPM</a:t>
+            </a:r>
+            <a:r>
+              <a:rPr lang="en-US" sz="1100" dirty="0">
+                <a:solidFill>
+                  <a:srgbClr val="0070C0"/>
+                </a:solidFill>
+              </a:rPr>
+              <a:t> from </a:t>
+            </a:r>
+            <a:r>
+              <a:rPr lang="en-US" sz="1100" dirty="0" err="1">
+                <a:solidFill>
+                  <a:srgbClr val="0070C0"/>
+                </a:solidFill>
+              </a:rPr>
+              <a:t>parkingviolations</a:t>
+            </a:r>
+            <a:r>
+              <a:rPr lang="en-US" sz="1100" dirty="0">
+                <a:solidFill>
+                  <a:srgbClr val="0070C0"/>
+                </a:solidFill>
+              </a:rPr>
+              <a:t> where year(</a:t>
+            </a:r>
+            <a:r>
+              <a:rPr lang="en-US" sz="1100" dirty="0" err="1">
+                <a:solidFill>
+                  <a:srgbClr val="0070C0"/>
+                </a:solidFill>
+              </a:rPr>
+              <a:t>IssueDate</a:t>
+            </a:r>
+            <a:r>
+              <a:rPr lang="en-US" sz="1100" dirty="0">
+                <a:solidFill>
+                  <a:srgbClr val="0070C0"/>
+                </a:solidFill>
+              </a:rPr>
+              <a:t>)=2017 and upper(substring(ViolationTime,-1))='P' group by substring(ViolationTime,1,2) order by </a:t>
+            </a:r>
+            <a:r>
+              <a:rPr lang="en-US" sz="1100" dirty="0" err="1">
+                <a:solidFill>
+                  <a:srgbClr val="0070C0"/>
+                </a:solidFill>
+              </a:rPr>
+              <a:t>violationsCountINPM</a:t>
+            </a:r>
+            <a:r>
+              <a:rPr lang="en-US" sz="1100" dirty="0">
+                <a:solidFill>
+                  <a:srgbClr val="0070C0"/>
+                </a:solidFill>
+              </a:rPr>
+              <a:t> desc;</a:t>
+            </a:r>
+          </a:p>
+          <a:p>
+            <a:r>
               <a:rPr lang="en-US" dirty="0">
                 <a:solidFill>
                   <a:srgbClr val="0070C0"/>
                 </a:solidFill>
               </a:rPr>
-              <a:t> where StreetCode1 is null or StreetCode2 is null or StreetCode1 is null; </a:t>
-            </a:r>
-          </a:p>
+              <a:t>Answer – 9 AM and 1 PM are the hours with maximum parking violations. </a:t>
+            </a:r>
+          </a:p>
+        </p:txBody>
+      </p:sp>
+      <p:sp>
+        <p:nvSpPr>
+          <p:cNvPr id="8" name="TextBox 7">
+            <a:extLst>
+              <a:ext uri="{FF2B5EF4-FFF2-40B4-BE49-F238E27FC236}">
+                <a16:creationId xmlns:a16="http://schemas.microsoft.com/office/drawing/2014/main" id="{CB0BC12D-AAC4-918F-584B-4F3A3D06385A}"/>
+              </a:ext>
+            </a:extLst>
+          </p:cNvPr>
+          <p:cNvSpPr txBox="1"/>
+          <p:nvPr/>
+        </p:nvSpPr>
+        <p:spPr>
+          <a:xfrm>
+            <a:off x="541266" y="2730015"/>
+            <a:ext cx="2157001" cy="369332"/>
+          </a:xfrm>
+          <a:prstGeom prst="rect">
+            <a:avLst/>
+          </a:prstGeom>
+          <a:noFill/>
+        </p:spPr>
+        <p:txBody>
+          <a:bodyPr wrap="none" rtlCol="0">
+            <a:spAutoFit/>
+          </a:bodyPr>
+          <a:lstStyle/>
           <a:p>
             <a:r>
               <a:rPr lang="en-US" b="1" dirty="0">
@@ -4158,7 +4346,7 @@
                   <a:srgbClr val="0070C0"/>
                 </a:solidFill>
               </a:rPr>
-              <a:t>Answer</a:t>
+              <a:t>Output Screenshot -</a:t>
             </a:r>
             <a:r>
               <a:rPr lang="en-US" dirty="0">
@@ -4166,9 +4354,118 @@
                   <a:srgbClr val="0070C0"/>
                 </a:solidFill>
               </a:rPr>
-              <a:t> – Cars belong to 65 States with ticket</a:t>
-            </a:r>
-            <a:endParaRPr lang="en-US" sz="1800" dirty="0">
+              <a:t> </a:t>
+            </a:r>
+          </a:p>
+        </p:txBody>
+      </p:sp>
+      <p:pic>
+        <p:nvPicPr>
+          <p:cNvPr id="4" name="Picture 3">
+            <a:extLst>
+              <a:ext uri="{FF2B5EF4-FFF2-40B4-BE49-F238E27FC236}">
+                <a16:creationId xmlns:a16="http://schemas.microsoft.com/office/drawing/2014/main" id="{681B55A7-89CA-4A5E-FAE0-F44441461081}"/>
+              </a:ext>
+            </a:extLst>
+          </p:cNvPr>
+          <p:cNvPicPr>
+            <a:picLocks noChangeAspect="1"/>
+          </p:cNvPicPr>
+          <p:nvPr/>
+        </p:nvPicPr>
+        <p:blipFill>
+          <a:blip r:embed="rId2"/>
+          <a:stretch>
+            <a:fillRect/>
+          </a:stretch>
+        </p:blipFill>
+        <p:spPr>
+          <a:xfrm>
+            <a:off x="582305" y="3512101"/>
+            <a:ext cx="5463748" cy="3089176"/>
+          </a:xfrm>
+          <a:prstGeom prst="rect">
+            <a:avLst/>
+          </a:prstGeom>
+          <a:ln w="28575">
+            <a:solidFill>
+              <a:schemeClr val="tx1"/>
+            </a:solidFill>
+          </a:ln>
+        </p:spPr>
+      </p:pic>
+      <p:pic>
+        <p:nvPicPr>
+          <p:cNvPr id="6" name="Picture 5">
+            <a:extLst>
+              <a:ext uri="{FF2B5EF4-FFF2-40B4-BE49-F238E27FC236}">
+                <a16:creationId xmlns:a16="http://schemas.microsoft.com/office/drawing/2014/main" id="{F33294FC-F613-117C-72A9-A792762A9F03}"/>
+              </a:ext>
+            </a:extLst>
+          </p:cNvPr>
+          <p:cNvPicPr>
+            <a:picLocks noChangeAspect="1"/>
+          </p:cNvPicPr>
+          <p:nvPr/>
+        </p:nvPicPr>
+        <p:blipFill>
+          <a:blip r:embed="rId3"/>
+          <a:stretch>
+            <a:fillRect/>
+          </a:stretch>
+        </p:blipFill>
+        <p:spPr>
+          <a:xfrm>
+            <a:off x="6232383" y="3480256"/>
+            <a:ext cx="5418256" cy="3089175"/>
+          </a:xfrm>
+          <a:prstGeom prst="rect">
+            <a:avLst/>
+          </a:prstGeom>
+          <a:ln w="28575">
+            <a:solidFill>
+              <a:schemeClr val="tx1"/>
+            </a:solidFill>
+          </a:ln>
+        </p:spPr>
+      </p:pic>
+      <p:sp>
+        <p:nvSpPr>
+          <p:cNvPr id="7" name="TextBox 6">
+            <a:extLst>
+              <a:ext uri="{FF2B5EF4-FFF2-40B4-BE49-F238E27FC236}">
+                <a16:creationId xmlns:a16="http://schemas.microsoft.com/office/drawing/2014/main" id="{E718A57B-FC0A-3DC2-1B74-8C359CC02FA0}"/>
+              </a:ext>
+            </a:extLst>
+          </p:cNvPr>
+          <p:cNvSpPr txBox="1"/>
+          <p:nvPr/>
+        </p:nvSpPr>
+        <p:spPr>
+          <a:xfrm>
+            <a:off x="1758192" y="3116447"/>
+            <a:ext cx="1769523" cy="369332"/>
+          </a:xfrm>
+          <a:prstGeom prst="rect">
+            <a:avLst/>
+          </a:prstGeom>
+          <a:noFill/>
+        </p:spPr>
+        <p:txBody>
+          <a:bodyPr wrap="none" rtlCol="0">
+            <a:spAutoFit/>
+          </a:bodyPr>
+          <a:lstStyle/>
+          <a:p>
+            <a:r>
+              <a:rPr lang="en-US" b="1" dirty="0">
+                <a:solidFill>
+                  <a:srgbClr val="0070C0"/>
+                </a:solidFill>
+              </a:rPr>
+              <a:t>Violations in AM</a:t>
+            </a:r>
+            <a:endParaRPr lang="en-US" dirty="0">
               <a:solidFill>
                 <a:srgbClr val="0070C0"/>
               </a:solidFill>
@@ -4178,10 +4475,10 @@
       </p:sp>
       <p:sp>
         <p:nvSpPr>
-          <p:cNvPr id="8" name="TextBox 7">
-            <a:extLst>
-              <a:ext uri="{FF2B5EF4-FFF2-40B4-BE49-F238E27FC236}">
-                <a16:creationId xmlns:a16="http://schemas.microsoft.com/office/drawing/2014/main" id="{CB0BC12D-AAC4-918F-584B-4F3A3D06385A}"/>
+          <p:cNvPr id="10" name="TextBox 9">
+            <a:extLst>
+              <a:ext uri="{FF2B5EF4-FFF2-40B4-BE49-F238E27FC236}">
+                <a16:creationId xmlns:a16="http://schemas.microsoft.com/office/drawing/2014/main" id="{B99CAEE4-D3F4-51D8-883B-809319A909C4}"/>
               </a:ext>
             </a:extLst>
           </p:cNvPr>
@@ -4190,7 +4487,176 @@
         </p:nvSpPr>
         <p:spPr>
           <a:xfrm>
-            <a:off x="632251" y="2251623"/>
+            <a:off x="7290084" y="3059668"/>
+            <a:ext cx="1753493" cy="369332"/>
+          </a:xfrm>
+          <a:prstGeom prst="rect">
+            <a:avLst/>
+          </a:prstGeom>
+          <a:noFill/>
+        </p:spPr>
+        <p:txBody>
+          <a:bodyPr wrap="none" rtlCol="0">
+            <a:spAutoFit/>
+          </a:bodyPr>
+          <a:lstStyle/>
+          <a:p>
+            <a:r>
+              <a:rPr lang="en-US" b="1" dirty="0">
+                <a:solidFill>
+                  <a:srgbClr val="0070C0"/>
+                </a:solidFill>
+              </a:rPr>
+              <a:t>Violations in PM</a:t>
+            </a:r>
+            <a:endParaRPr lang="en-US" dirty="0">
+              <a:solidFill>
+                <a:srgbClr val="0070C0"/>
+              </a:solidFill>
+            </a:endParaRPr>
+          </a:p>
+        </p:txBody>
+      </p:sp>
+    </p:spTree>
+    <p:extLst>
+      <p:ext uri="{BB962C8B-B14F-4D97-AF65-F5344CB8AC3E}">
+        <p14:creationId xmlns:p14="http://schemas.microsoft.com/office/powerpoint/2010/main" val="4280608629"/>
+      </p:ext>
+    </p:extLst>
+  </p:cSld>
+  <p:clrMapOvr>
+    <a:masterClrMapping/>
+  </p:clrMapOvr>
+</p:sld>
+</file>
+
+<file path=ppt/slides/slide12.xml><?xml version="1.0" encoding="utf-8"?>
+<p:sld xmlns:a="http://schemas.openxmlformats.org/drawingml/2006/main" xmlns:r="http://schemas.openxmlformats.org/officeDocument/2006/relationships" xmlns:p="http://schemas.openxmlformats.org/presentationml/2006/main">
+  <p:cSld>
+    <p:spTree>
+      <p:nvGrpSpPr>
+        <p:cNvPr id="1" name=""/>
+        <p:cNvGrpSpPr/>
+        <p:nvPr/>
+      </p:nvGrpSpPr>
+      <p:grpSpPr>
+        <a:xfrm>
+          <a:off x="0" y="0"/>
+          <a:ext cx="0" cy="0"/>
+          <a:chOff x="0" y="0"/>
+          <a:chExt cx="0" cy="0"/>
+        </a:xfrm>
+      </p:grpSpPr>
+      <p:sp>
+        <p:nvSpPr>
+          <p:cNvPr id="2" name="TextBox 1">
+            <a:extLst>
+              <a:ext uri="{FF2B5EF4-FFF2-40B4-BE49-F238E27FC236}">
+                <a16:creationId xmlns:a16="http://schemas.microsoft.com/office/drawing/2014/main" id="{3C7DF59A-FD41-EC08-FCD8-A3F9A05D0A8B}"/>
+              </a:ext>
+            </a:extLst>
+          </p:cNvPr>
+          <p:cNvSpPr txBox="1"/>
+          <p:nvPr/>
+        </p:nvSpPr>
+        <p:spPr>
+          <a:xfrm>
+            <a:off x="582305" y="523460"/>
+            <a:ext cx="11446297" cy="646331"/>
+          </a:xfrm>
+          <a:prstGeom prst="rect">
+            <a:avLst/>
+          </a:prstGeom>
+          <a:noFill/>
+        </p:spPr>
+        <p:txBody>
+          <a:bodyPr wrap="square" rtlCol="0">
+            <a:spAutoFit/>
+          </a:bodyPr>
+          <a:lstStyle/>
+          <a:p>
+            <a:r>
+              <a:rPr lang="en-US" b="1" i="0" dirty="0">
+                <a:solidFill>
+                  <a:srgbClr val="0070C0"/>
+                </a:solidFill>
+                <a:effectLst/>
+              </a:rPr>
+              <a:t>Q2.2 – </a:t>
+            </a:r>
+            <a:r>
+              <a:rPr lang="en-US" dirty="0">
+                <a:solidFill>
+                  <a:srgbClr val="0070C0"/>
+                </a:solidFill>
+              </a:rPr>
+              <a:t>Divide 24 hours into six equal discrete bins of time. The intervals you choose are at your discretion. For each of these groups, find the 3 most commonly occurring violations.</a:t>
+            </a:r>
+          </a:p>
+        </p:txBody>
+      </p:sp>
+      <p:sp>
+        <p:nvSpPr>
+          <p:cNvPr id="9" name="TextBox 8">
+            <a:extLst>
+              <a:ext uri="{FF2B5EF4-FFF2-40B4-BE49-F238E27FC236}">
+                <a16:creationId xmlns:a16="http://schemas.microsoft.com/office/drawing/2014/main" id="{A5BBC34C-6262-63EC-16E0-43C8B2D76E76}"/>
+              </a:ext>
+            </a:extLst>
+          </p:cNvPr>
+          <p:cNvSpPr txBox="1"/>
+          <p:nvPr/>
+        </p:nvSpPr>
+        <p:spPr>
+          <a:xfrm>
+            <a:off x="582306" y="1174232"/>
+            <a:ext cx="11541456" cy="369332"/>
+          </a:xfrm>
+          <a:prstGeom prst="rect">
+            <a:avLst/>
+          </a:prstGeom>
+          <a:noFill/>
+        </p:spPr>
+        <p:txBody>
+          <a:bodyPr wrap="square">
+            <a:spAutoFit/>
+          </a:bodyPr>
+          <a:lstStyle/>
+          <a:p>
+            <a:r>
+              <a:rPr lang="en-US" b="1" dirty="0">
+                <a:solidFill>
+                  <a:srgbClr val="0070C0"/>
+                </a:solidFill>
+              </a:rPr>
+              <a:t>Command</a:t>
+            </a:r>
+            <a:r>
+              <a:rPr lang="en-US" dirty="0">
+                <a:solidFill>
+                  <a:srgbClr val="0070C0"/>
+                </a:solidFill>
+              </a:rPr>
+              <a:t> – </a:t>
+            </a:r>
+          </a:p>
+        </p:txBody>
+      </p:sp>
+      <p:sp>
+        <p:nvSpPr>
+          <p:cNvPr id="8" name="TextBox 7">
+            <a:extLst>
+              <a:ext uri="{FF2B5EF4-FFF2-40B4-BE49-F238E27FC236}">
+                <a16:creationId xmlns:a16="http://schemas.microsoft.com/office/drawing/2014/main" id="{CB0BC12D-AAC4-918F-584B-4F3A3D06385A}"/>
+              </a:ext>
+            </a:extLst>
+          </p:cNvPr>
+          <p:cNvSpPr txBox="1"/>
+          <p:nvPr/>
+        </p:nvSpPr>
+        <p:spPr>
+          <a:xfrm>
+            <a:off x="532167" y="3007014"/>
             <a:ext cx="2157001" cy="369332"/>
           </a:xfrm>
           <a:prstGeom prst="rect">

--- a/Hive assignment - Jagadish -  08082022 .pptx
+++ b/Hive assignment - Jagadish -  08082022 .pptx
@@ -287,7 +287,7 @@
           <a:p>
             <a:fld id="{1E79C08D-E929-4F4C-BF28-A8C3B08202FA}" type="datetimeFigureOut">
               <a:rPr lang="en-US" smtClean="0"/>
-              <a:t>8/4/2022</a:t>
+              <a:t>8/5/2022</a:t>
             </a:fld>
             <a:endParaRPr lang="en-US"/>
           </a:p>
@@ -485,7 +485,7 @@
           <a:p>
             <a:fld id="{1E79C08D-E929-4F4C-BF28-A8C3B08202FA}" type="datetimeFigureOut">
               <a:rPr lang="en-US" smtClean="0"/>
-              <a:t>8/4/2022</a:t>
+              <a:t>8/5/2022</a:t>
             </a:fld>
             <a:endParaRPr lang="en-US"/>
           </a:p>
@@ -693,7 +693,7 @@
           <a:p>
             <a:fld id="{1E79C08D-E929-4F4C-BF28-A8C3B08202FA}" type="datetimeFigureOut">
               <a:rPr lang="en-US" smtClean="0"/>
-              <a:t>8/4/2022</a:t>
+              <a:t>8/5/2022</a:t>
             </a:fld>
             <a:endParaRPr lang="en-US"/>
           </a:p>
@@ -891,7 +891,7 @@
           <a:p>
             <a:fld id="{1E79C08D-E929-4F4C-BF28-A8C3B08202FA}" type="datetimeFigureOut">
               <a:rPr lang="en-US" smtClean="0"/>
-              <a:t>8/4/2022</a:t>
+              <a:t>8/5/2022</a:t>
             </a:fld>
             <a:endParaRPr lang="en-US"/>
           </a:p>
@@ -1166,7 +1166,7 @@
           <a:p>
             <a:fld id="{1E79C08D-E929-4F4C-BF28-A8C3B08202FA}" type="datetimeFigureOut">
               <a:rPr lang="en-US" smtClean="0"/>
-              <a:t>8/4/2022</a:t>
+              <a:t>8/5/2022</a:t>
             </a:fld>
             <a:endParaRPr lang="en-US"/>
           </a:p>
@@ -1431,7 +1431,7 @@
           <a:p>
             <a:fld id="{1E79C08D-E929-4F4C-BF28-A8C3B08202FA}" type="datetimeFigureOut">
               <a:rPr lang="en-US" smtClean="0"/>
-              <a:t>8/4/2022</a:t>
+              <a:t>8/5/2022</a:t>
             </a:fld>
             <a:endParaRPr lang="en-US"/>
           </a:p>
@@ -1843,7 +1843,7 @@
           <a:p>
             <a:fld id="{1E79C08D-E929-4F4C-BF28-A8C3B08202FA}" type="datetimeFigureOut">
               <a:rPr lang="en-US" smtClean="0"/>
-              <a:t>8/4/2022</a:t>
+              <a:t>8/5/2022</a:t>
             </a:fld>
             <a:endParaRPr lang="en-US"/>
           </a:p>
@@ -1984,7 +1984,7 @@
           <a:p>
             <a:fld id="{1E79C08D-E929-4F4C-BF28-A8C3B08202FA}" type="datetimeFigureOut">
               <a:rPr lang="en-US" smtClean="0"/>
-              <a:t>8/4/2022</a:t>
+              <a:t>8/5/2022</a:t>
             </a:fld>
             <a:endParaRPr lang="en-US"/>
           </a:p>
@@ -2097,7 +2097,7 @@
           <a:p>
             <a:fld id="{1E79C08D-E929-4F4C-BF28-A8C3B08202FA}" type="datetimeFigureOut">
               <a:rPr lang="en-US" smtClean="0"/>
-              <a:t>8/4/2022</a:t>
+              <a:t>8/5/2022</a:t>
             </a:fld>
             <a:endParaRPr lang="en-US"/>
           </a:p>
@@ -2408,7 +2408,7 @@
           <a:p>
             <a:fld id="{1E79C08D-E929-4F4C-BF28-A8C3B08202FA}" type="datetimeFigureOut">
               <a:rPr lang="en-US" smtClean="0"/>
-              <a:t>8/4/2022</a:t>
+              <a:t>8/5/2022</a:t>
             </a:fld>
             <a:endParaRPr lang="en-US"/>
           </a:p>
@@ -2696,7 +2696,7 @@
           <a:p>
             <a:fld id="{1E79C08D-E929-4F4C-BF28-A8C3B08202FA}" type="datetimeFigureOut">
               <a:rPr lang="en-US" smtClean="0"/>
-              <a:t>8/4/2022</a:t>
+              <a:t>8/5/2022</a:t>
             </a:fld>
             <a:endParaRPr lang="en-US"/>
           </a:p>
@@ -2937,7 +2937,7 @@
           <a:p>
             <a:fld id="{1E79C08D-E929-4F4C-BF28-A8C3B08202FA}" type="datetimeFigureOut">
               <a:rPr lang="en-US" smtClean="0"/>
-              <a:t>8/4/2022</a:t>
+              <a:t>8/5/2022</a:t>
             </a:fld>
             <a:endParaRPr lang="en-US"/>
           </a:p>
@@ -4609,8 +4609,8 @@
         </p:nvSpPr>
         <p:spPr>
           <a:xfrm>
-            <a:off x="582306" y="1174232"/>
-            <a:ext cx="11541456" cy="369332"/>
+            <a:off x="582306" y="1453171"/>
+            <a:ext cx="3016154" cy="369332"/>
           </a:xfrm>
           <a:prstGeom prst="rect">
             <a:avLst/>
@@ -4637,8 +4637,13 @@
                   <a:srgbClr val="0070C0"/>
                 </a:solidFill>
               </a:rPr>
-              <a:t> – </a:t>
-            </a:r>
+              <a:t> – SQL is attached </a:t>
+            </a:r>
+            <a:endParaRPr lang="en-US" sz="1050" dirty="0">
+              <a:solidFill>
+                <a:srgbClr val="0070C0"/>
+              </a:solidFill>
+            </a:endParaRPr>
           </a:p>
         </p:txBody>
       </p:sp>
@@ -4656,7 +4661,7 @@
         </p:nvSpPr>
         <p:spPr>
           <a:xfrm>
-            <a:off x="532167" y="3007014"/>
+            <a:off x="6582771" y="2320786"/>
             <a:ext cx="2157001" cy="369332"/>
           </a:xfrm>
           <a:prstGeom prst="rect">
@@ -4689,6 +4694,252 @@
           </a:p>
         </p:txBody>
       </p:sp>
+      <p:sp>
+        <p:nvSpPr>
+          <p:cNvPr id="7" name="TextBox 6">
+            <a:extLst>
+              <a:ext uri="{FF2B5EF4-FFF2-40B4-BE49-F238E27FC236}">
+                <a16:creationId xmlns:a16="http://schemas.microsoft.com/office/drawing/2014/main" id="{7DA3943B-F95B-7929-97B0-FB9332023D95}"/>
+              </a:ext>
+            </a:extLst>
+          </p:cNvPr>
+          <p:cNvSpPr txBox="1"/>
+          <p:nvPr/>
+        </p:nvSpPr>
+        <p:spPr>
+          <a:xfrm>
+            <a:off x="395787" y="3052279"/>
+            <a:ext cx="3016154" cy="2631490"/>
+          </a:xfrm>
+          <a:prstGeom prst="rect">
+            <a:avLst/>
+          </a:prstGeom>
+          <a:noFill/>
+        </p:spPr>
+        <p:txBody>
+          <a:bodyPr wrap="square">
+            <a:spAutoFit/>
+          </a:bodyPr>
+          <a:lstStyle/>
+          <a:p>
+            <a:r>
+              <a:rPr lang="en-US" b="1" dirty="0">
+                <a:solidFill>
+                  <a:srgbClr val="0070C0"/>
+                </a:solidFill>
+              </a:rPr>
+              <a:t>Output – Violations Count By Time of Day</a:t>
+            </a:r>
+          </a:p>
+          <a:p>
+            <a:endParaRPr lang="en-US" sz="1050" dirty="0">
+              <a:solidFill>
+                <a:srgbClr val="0070C0"/>
+              </a:solidFill>
+            </a:endParaRPr>
+          </a:p>
+          <a:p>
+            <a:pPr marL="342900" indent="-342900">
+              <a:buFont typeface="+mj-lt"/>
+              <a:buAutoNum type="arabicPeriod"/>
+            </a:pPr>
+            <a:r>
+              <a:rPr lang="en-US" dirty="0">
+                <a:solidFill>
+                  <a:srgbClr val="0070C0"/>
+                </a:solidFill>
+              </a:rPr>
+              <a:t>Morning 2,163,551</a:t>
+            </a:r>
+          </a:p>
+          <a:p>
+            <a:pPr marL="342900" indent="-342900">
+              <a:buFont typeface="+mj-lt"/>
+              <a:buAutoNum type="arabicPeriod"/>
+            </a:pPr>
+            <a:r>
+              <a:rPr lang="en-US" dirty="0">
+                <a:solidFill>
+                  <a:srgbClr val="0070C0"/>
+                </a:solidFill>
+              </a:rPr>
+              <a:t>Noon    1,839,951</a:t>
+            </a:r>
+          </a:p>
+          <a:p>
+            <a:pPr marL="342900" indent="-342900">
+              <a:buFont typeface="+mj-lt"/>
+              <a:buAutoNum type="arabicPeriod"/>
+            </a:pPr>
+            <a:r>
+              <a:rPr lang="en-US" dirty="0">
+                <a:solidFill>
+                  <a:srgbClr val="0070C0"/>
+                </a:solidFill>
+              </a:rPr>
+              <a:t>Evening 637,540</a:t>
+            </a:r>
+          </a:p>
+          <a:p>
+            <a:pPr marL="342900" indent="-342900">
+              <a:buFont typeface="+mj-lt"/>
+              <a:buAutoNum type="arabicPeriod"/>
+            </a:pPr>
+            <a:r>
+              <a:rPr lang="en-US" dirty="0" err="1">
+                <a:solidFill>
+                  <a:srgbClr val="0070C0"/>
+                </a:solidFill>
+              </a:rPr>
+              <a:t>EarlyMorning</a:t>
+            </a:r>
+            <a:r>
+              <a:rPr lang="en-US" dirty="0">
+                <a:solidFill>
+                  <a:srgbClr val="0070C0"/>
+                </a:solidFill>
+              </a:rPr>
+              <a:t>    449,878</a:t>
+            </a:r>
+          </a:p>
+          <a:p>
+            <a:pPr marL="342900" indent="-342900">
+              <a:buFont typeface="+mj-lt"/>
+              <a:buAutoNum type="arabicPeriod"/>
+            </a:pPr>
+            <a:r>
+              <a:rPr lang="en-US" dirty="0">
+                <a:solidFill>
+                  <a:srgbClr val="0070C0"/>
+                </a:solidFill>
+              </a:rPr>
+              <a:t>Night   176,360</a:t>
+            </a:r>
+          </a:p>
+          <a:p>
+            <a:pPr marL="342900" indent="-342900">
+              <a:buFont typeface="+mj-lt"/>
+              <a:buAutoNum type="arabicPeriod"/>
+            </a:pPr>
+            <a:r>
+              <a:rPr lang="en-US" dirty="0" err="1">
+                <a:solidFill>
+                  <a:srgbClr val="0070C0"/>
+                </a:solidFill>
+              </a:rPr>
+              <a:t>MidNight</a:t>
+            </a:r>
+            <a:r>
+              <a:rPr lang="en-US" dirty="0">
+                <a:solidFill>
+                  <a:srgbClr val="0070C0"/>
+                </a:solidFill>
+              </a:rPr>
+              <a:t>        164,533</a:t>
+            </a:r>
+          </a:p>
+          <a:p>
+            <a:endParaRPr lang="en-US" sz="1050" dirty="0">
+              <a:solidFill>
+                <a:srgbClr val="0070C0"/>
+              </a:solidFill>
+            </a:endParaRPr>
+          </a:p>
+        </p:txBody>
+      </p:sp>
+      <p:pic>
+        <p:nvPicPr>
+          <p:cNvPr id="10" name="Picture 9">
+            <a:extLst>
+              <a:ext uri="{FF2B5EF4-FFF2-40B4-BE49-F238E27FC236}">
+                <a16:creationId xmlns:a16="http://schemas.microsoft.com/office/drawing/2014/main" id="{EA94782E-E495-2B87-7312-4686335ACFDF}"/>
+              </a:ext>
+            </a:extLst>
+          </p:cNvPr>
+          <p:cNvPicPr>
+            <a:picLocks noChangeAspect="1"/>
+          </p:cNvPicPr>
+          <p:nvPr/>
+        </p:nvPicPr>
+        <p:blipFill>
+          <a:blip r:embed="rId2"/>
+          <a:stretch>
+            <a:fillRect/>
+          </a:stretch>
+        </p:blipFill>
+        <p:spPr>
+          <a:xfrm>
+            <a:off x="4007891" y="2756007"/>
+            <a:ext cx="7888408" cy="3895004"/>
+          </a:xfrm>
+          <a:prstGeom prst="rect">
+            <a:avLst/>
+          </a:prstGeom>
+        </p:spPr>
+      </p:pic>
+      <p:graphicFrame>
+        <p:nvGraphicFramePr>
+          <p:cNvPr id="11" name="Object 10">
+            <a:extLst>
+              <a:ext uri="{FF2B5EF4-FFF2-40B4-BE49-F238E27FC236}">
+                <a16:creationId xmlns:a16="http://schemas.microsoft.com/office/drawing/2014/main" id="{990BAD4C-3595-EE1B-617F-664DB6E4DB23}"/>
+              </a:ext>
+            </a:extLst>
+          </p:cNvPr>
+          <p:cNvGraphicFramePr>
+            <a:graphicFrameLocks noChangeAspect="1"/>
+          </p:cNvGraphicFramePr>
+          <p:nvPr>
+            <p:extLst>
+              <p:ext uri="{D42A27DB-BD31-4B8C-83A1-F6EECF244321}">
+                <p14:modId xmlns:p14="http://schemas.microsoft.com/office/powerpoint/2010/main" val="3949636889"/>
+              </p:ext>
+            </p:extLst>
+          </p:nvPr>
+        </p:nvGraphicFramePr>
+        <p:xfrm>
+          <a:off x="3928279" y="1350795"/>
+          <a:ext cx="1221475" cy="914733"/>
+        </p:xfrm>
+        <a:graphic>
+          <a:graphicData uri="http://schemas.openxmlformats.org/presentationml/2006/ole">
+            <mc:AlternateContent xmlns:mc="http://schemas.openxmlformats.org/markup-compatibility/2006">
+              <mc:Choice xmlns:v="urn:schemas-microsoft-com:vml" Requires="v">
+                <p:oleObj name="Packager Shell Object" showAsIcon="1" r:id="rId3" imgW="914400" imgH="788599" progId="Package">
+                  <p:embed/>
+                </p:oleObj>
+              </mc:Choice>
+              <mc:Fallback>
+                <p:oleObj name="Packager Shell Object" showAsIcon="1" r:id="rId3" imgW="914400" imgH="788599" progId="Package">
+                  <p:embed/>
+                  <p:pic>
+                    <p:nvPicPr>
+                      <p:cNvPr id="0" name=""/>
+                      <p:cNvPicPr/>
+                      <p:nvPr/>
+                    </p:nvPicPr>
+                    <p:blipFill>
+                      <a:blip r:embed="rId4"/>
+                      <a:stretch>
+                        <a:fillRect/>
+                      </a:stretch>
+                    </p:blipFill>
+                    <p:spPr>
+                      <a:xfrm>
+                        <a:off x="3928279" y="1350795"/>
+                        <a:ext cx="1221475" cy="914733"/>
+                      </a:xfrm>
+                      <a:prstGeom prst="rect">
+                        <a:avLst/>
+                      </a:prstGeom>
+                    </p:spPr>
+                  </p:pic>
+                </p:oleObj>
+              </mc:Fallback>
+            </mc:AlternateContent>
+          </a:graphicData>
+        </a:graphic>
+      </p:graphicFrame>
     </p:spTree>
     <p:extLst>
       <p:ext uri="{BB962C8B-B14F-4D97-AF65-F5344CB8AC3E}">
